--- a/telphoneapp_cs21/OOP_final.pptx
+++ b/telphoneapp_cs21/OOP_final.pptx
@@ -3361,6 +3361,9 @@
               <a:rPr lang="en-US" altLang="ko-KR" dirty="0" err="1"/>
               <a:t>OOP_final</a:t>
             </a:r>
+            <a:br>
+              <a:rPr lang="en-US" altLang="ko-KR" dirty="0"/>
+            </a:br>
             <a:endParaRPr lang="ko-KR" altLang="en-US" dirty="0"/>
           </a:p>
         </p:txBody>
